--- a/VirusGraphs5Nov.pptx
+++ b/VirusGraphs5Nov.pptx
@@ -15,6 +15,7 @@
     <p:sldId id="260" r:id="rId12"/>
     <p:sldId id="261" r:id="rId13"/>
     <p:sldId id="262" r:id="rId14"/>
+    <p:sldId id="263" r:id="rId15"/>
   </p:sldIdLst>
   <p:sldSz cx="13004800" cy="9753600"/>
   <p:notesSz cx="6858000" cy="9144000"/>
@@ -3709,6 +3710,132 @@
 </p:sld>
 </file>
 
+<file path=ppt/slides/slide8.xml><?xml version="1.0" encoding="utf-8"?>
+<p:sld xmlns:a="http://schemas.openxmlformats.org/drawingml/2006/main" xmlns:r="http://schemas.openxmlformats.org/officeDocument/2006/relationships" xmlns:p="http://schemas.openxmlformats.org/presentationml/2006/main" xmlns:m="http://schemas.openxmlformats.org/officeDocument/2006/math" xmlns:a14="http://schemas.microsoft.com/office/drawing/2010/main" showMasterSp="1" showMasterPhAnim="1">
+  <p:cSld>
+    <p:spTree>
+      <p:nvGrpSpPr>
+        <p:cNvPr id="1" name=""/>
+        <p:cNvGrpSpPr/>
+        <p:nvPr/>
+      </p:nvGrpSpPr>
+      <p:grpSpPr>
+        <a:xfrm>
+          <a:off x="0" y="0"/>
+          <a:ext cx="0" cy="0"/>
+          <a:chOff x="0" y="0"/>
+          <a:chExt cx="0" cy="0"/>
+        </a:xfrm>
+      </p:grpSpPr>
+      <p:sp>
+        <p:nvSpPr>
+          <p:cNvPr id="146" name="HIV Clades A-J, K=41, threshold &gt;=2"/>
+          <p:cNvSpPr txBox="1"/>
+          <p:nvPr>
+            <p:ph type="title"/>
+          </p:nvPr>
+        </p:nvSpPr>
+        <p:spPr>
+          <a:xfrm>
+            <a:off x="952500" y="406400"/>
+            <a:ext cx="11099800" cy="1554758"/>
+          </a:xfrm>
+          <a:prstGeom prst="rect">
+            <a:avLst/>
+          </a:prstGeom>
+        </p:spPr>
+        <p:txBody>
+          <a:bodyPr/>
+          <a:lstStyle>
+            <a:lvl1pPr defTabSz="373887">
+              <a:defRPr sz="5119"/>
+            </a:lvl1pPr>
+          </a:lstStyle>
+          <a:p>
+            <a:pPr/>
+            <a:r>
+              <a:t>HIV Clades A-J, K=41, threshold &gt;=2</a:t>
+            </a:r>
+          </a:p>
+        </p:txBody>
+      </p:sp>
+      <p:sp>
+        <p:nvSpPr>
+          <p:cNvPr id="147" name="Body"/>
+          <p:cNvSpPr txBox="1"/>
+          <p:nvPr>
+            <p:ph type="body" idx="1"/>
+          </p:nvPr>
+        </p:nvSpPr>
+        <p:spPr>
+          <a:prstGeom prst="rect">
+            <a:avLst/>
+          </a:prstGeom>
+        </p:spPr>
+        <p:txBody>
+          <a:bodyPr/>
+          <a:lstStyle/>
+          <a:p>
+            <a:pPr marL="0" indent="0" defTabSz="457200">
+              <a:lnSpc>
+                <a:spcPts val="2800"/>
+              </a:lnSpc>
+              <a:spcBef>
+                <a:spcPts val="0"/>
+              </a:spcBef>
+              <a:buSzTx/>
+              <a:buNone/>
+              <a:defRPr sz="1200">
+                <a:solidFill>
+                  <a:srgbClr val="0000EE"/>
+                </a:solidFill>
+                <a:latin typeface="Times"/>
+                <a:ea typeface="Times"/>
+                <a:cs typeface="Times"/>
+                <a:sym typeface="Times"/>
+              </a:defRPr>
+            </a:pPr>
+          </a:p>
+        </p:txBody>
+      </p:sp>
+      <p:pic>
+        <p:nvPicPr>
+          <p:cNvPr id="148" name="HIV_A-J_Refs_k41_t2.png" descr="HIV_A-J_Refs_k41_t2.png"/>
+          <p:cNvPicPr>
+            <a:picLocks noChangeAspect="1"/>
+          </p:cNvPicPr>
+          <p:nvPr/>
+        </p:nvPicPr>
+        <p:blipFill>
+          <a:blip r:embed="rId2">
+            <a:extLst/>
+          </a:blip>
+          <a:stretch>
+            <a:fillRect/>
+          </a:stretch>
+        </p:blipFill>
+        <p:spPr>
+          <a:xfrm>
+            <a:off x="2908213" y="2139863"/>
+            <a:ext cx="7188374" cy="7188374"/>
+          </a:xfrm>
+          <a:prstGeom prst="rect">
+            <a:avLst/>
+          </a:prstGeom>
+          <a:ln w="12700">
+            <a:miter lim="400000"/>
+          </a:ln>
+        </p:spPr>
+      </p:pic>
+    </p:spTree>
+  </p:cSld>
+  <p:clrMapOvr>
+    <a:masterClrMapping/>
+  </p:clrMapOvr>
+  <p:transition xmlns:p14="http://schemas.microsoft.com/office/powerpoint/2010/main" spd="med" advClick="1"/>
+</p:sld>
+</file>
+
 <file path=ppt/theme/theme1.xml><?xml version="1.0" encoding="utf-8"?>
 <a:theme xmlns:a="http://schemas.openxmlformats.org/drawingml/2006/main" xmlns:r="http://schemas.openxmlformats.org/officeDocument/2006/relationships" name="Gradient">
   <a:themeElements>
